--- a/ppt 16-9/0624.主，我爱你.pptx
+++ b/ppt 16-9/0624.主，我爱你.pptx
@@ -5,7 +5,7 @@
     <p:sldMasterId id="2147483648" r:id="rId1"/>
   </p:sldMasterIdLst>
   <p:sldIdLst>
-    <p:sldId id="2418" r:id="rId2"/>
+    <p:sldId id="2419" r:id="rId2"/>
   </p:sldIdLst>
   <p:sldSz cx="12192000" cy="6858000"/>
   <p:notesSz cx="6858000" cy="9144000"/>
@@ -129,7 +129,7 @@
           <p:cNvPr id="2" name="标题 1">
             <a:extLst>
               <a:ext uri="{FF2B5EF4-FFF2-40B4-BE49-F238E27FC236}">
-                <a16:creationId xmlns:a16="http://schemas.microsoft.com/office/drawing/2014/main" id="{3EBAABA0-D6DB-0C5D-0549-959CC07DADE8}"/>
+                <a16:creationId xmlns:a16="http://schemas.microsoft.com/office/drawing/2014/main" id="{2C275D46-5C68-09C4-2C8A-CF752ED23823}"/>
               </a:ext>
             </a:extLst>
           </p:cNvPr>
@@ -166,7 +166,7 @@
           <p:cNvPr id="3" name="副标题 2">
             <a:extLst>
               <a:ext uri="{FF2B5EF4-FFF2-40B4-BE49-F238E27FC236}">
-                <a16:creationId xmlns:a16="http://schemas.microsoft.com/office/drawing/2014/main" id="{25197C46-2D75-E108-6527-AC034F0982A1}"/>
+                <a16:creationId xmlns:a16="http://schemas.microsoft.com/office/drawing/2014/main" id="{CBCFBF1D-50F1-9CC2-3D99-B1CCB85EEEB1}"/>
               </a:ext>
             </a:extLst>
           </p:cNvPr>
@@ -236,7 +236,7 @@
           <p:cNvPr id="4" name="日期占位符 3">
             <a:extLst>
               <a:ext uri="{FF2B5EF4-FFF2-40B4-BE49-F238E27FC236}">
-                <a16:creationId xmlns:a16="http://schemas.microsoft.com/office/drawing/2014/main" id="{6E8530F7-406E-592F-E947-2F1EABDD0932}"/>
+                <a16:creationId xmlns:a16="http://schemas.microsoft.com/office/drawing/2014/main" id="{AAA0D5ED-A80D-8614-9C50-015E904B5CA1}"/>
               </a:ext>
             </a:extLst>
           </p:cNvPr>
@@ -252,7 +252,7 @@
           <a:bodyPr/>
           <a:lstStyle/>
           <a:p>
-            <a:fld id="{F59FFF69-5FC4-4F92-B21A-F890B478CD55}" type="datetimeFigureOut">
+            <a:fld id="{24FA5109-1D1E-4DC8-AD10-54B413620D79}" type="datetimeFigureOut">
               <a:rPr lang="zh-CN" altLang="en-US" smtClean="0"/>
               <a:t>2024/3/10</a:t>
             </a:fld>
@@ -265,7 +265,7 @@
           <p:cNvPr id="5" name="页脚占位符 4">
             <a:extLst>
               <a:ext uri="{FF2B5EF4-FFF2-40B4-BE49-F238E27FC236}">
-                <a16:creationId xmlns:a16="http://schemas.microsoft.com/office/drawing/2014/main" id="{AC78537F-116E-98A8-DFEF-9A3E2835BE39}"/>
+                <a16:creationId xmlns:a16="http://schemas.microsoft.com/office/drawing/2014/main" id="{45D545DE-FA35-43A2-1273-FB5CC93D21B5}"/>
               </a:ext>
             </a:extLst>
           </p:cNvPr>
@@ -290,7 +290,7 @@
           <p:cNvPr id="6" name="灯片编号占位符 5">
             <a:extLst>
               <a:ext uri="{FF2B5EF4-FFF2-40B4-BE49-F238E27FC236}">
-                <a16:creationId xmlns:a16="http://schemas.microsoft.com/office/drawing/2014/main" id="{1C84BC10-ECEB-E36C-DFBF-EA5CC9A1CCE6}"/>
+                <a16:creationId xmlns:a16="http://schemas.microsoft.com/office/drawing/2014/main" id="{65106303-DC3B-F7D9-9A9B-3F4F4DC8D6A7}"/>
               </a:ext>
             </a:extLst>
           </p:cNvPr>
@@ -306,7 +306,7 @@
           <a:bodyPr/>
           <a:lstStyle/>
           <a:p>
-            <a:fld id="{DA0A8D4B-1D2B-4102-BBAC-B78C1A2E27FE}" type="slidenum">
+            <a:fld id="{C4265D19-875C-427B-A323-40D51A61A428}" type="slidenum">
               <a:rPr lang="zh-CN" altLang="en-US" smtClean="0"/>
               <a:t>‹#›</a:t>
             </a:fld>
@@ -317,7 +317,7 @@
     </p:spTree>
     <p:extLst>
       <p:ext uri="{BB962C8B-B14F-4D97-AF65-F5344CB8AC3E}">
-        <p14:creationId xmlns:p14="http://schemas.microsoft.com/office/powerpoint/2010/main" val="3372951968"/>
+        <p14:creationId xmlns:p14="http://schemas.microsoft.com/office/powerpoint/2010/main" val="2437422610"/>
       </p:ext>
     </p:extLst>
   </p:cSld>
@@ -349,7 +349,7 @@
           <p:cNvPr id="2" name="标题 1">
             <a:extLst>
               <a:ext uri="{FF2B5EF4-FFF2-40B4-BE49-F238E27FC236}">
-                <a16:creationId xmlns:a16="http://schemas.microsoft.com/office/drawing/2014/main" id="{A9BF771D-AB1E-0ABA-DB10-F4147EA872A2}"/>
+                <a16:creationId xmlns:a16="http://schemas.microsoft.com/office/drawing/2014/main" id="{0E15857E-B764-F047-1CE5-CE04B33ED12B}"/>
               </a:ext>
             </a:extLst>
           </p:cNvPr>
@@ -377,7 +377,7 @@
           <p:cNvPr id="3" name="竖排文字占位符 2">
             <a:extLst>
               <a:ext uri="{FF2B5EF4-FFF2-40B4-BE49-F238E27FC236}">
-                <a16:creationId xmlns:a16="http://schemas.microsoft.com/office/drawing/2014/main" id="{AAF77C57-A647-30EF-5EF1-E2F70F8F2DE6}"/>
+                <a16:creationId xmlns:a16="http://schemas.microsoft.com/office/drawing/2014/main" id="{5CD8F6C4-2FAE-2BD1-711F-316AD68C0E5D}"/>
               </a:ext>
             </a:extLst>
           </p:cNvPr>
@@ -434,7 +434,7 @@
           <p:cNvPr id="4" name="日期占位符 3">
             <a:extLst>
               <a:ext uri="{FF2B5EF4-FFF2-40B4-BE49-F238E27FC236}">
-                <a16:creationId xmlns:a16="http://schemas.microsoft.com/office/drawing/2014/main" id="{CD1643D7-8759-5312-AA39-479F97C9F653}"/>
+                <a16:creationId xmlns:a16="http://schemas.microsoft.com/office/drawing/2014/main" id="{E98BADEE-FA01-9EE8-C81E-5631A5999935}"/>
               </a:ext>
             </a:extLst>
           </p:cNvPr>
@@ -450,7 +450,7 @@
           <a:bodyPr/>
           <a:lstStyle/>
           <a:p>
-            <a:fld id="{F59FFF69-5FC4-4F92-B21A-F890B478CD55}" type="datetimeFigureOut">
+            <a:fld id="{24FA5109-1D1E-4DC8-AD10-54B413620D79}" type="datetimeFigureOut">
               <a:rPr lang="zh-CN" altLang="en-US" smtClean="0"/>
               <a:t>2024/3/10</a:t>
             </a:fld>
@@ -463,7 +463,7 @@
           <p:cNvPr id="5" name="页脚占位符 4">
             <a:extLst>
               <a:ext uri="{FF2B5EF4-FFF2-40B4-BE49-F238E27FC236}">
-                <a16:creationId xmlns:a16="http://schemas.microsoft.com/office/drawing/2014/main" id="{9E50C06F-4129-4FCD-D269-9C866349B3A2}"/>
+                <a16:creationId xmlns:a16="http://schemas.microsoft.com/office/drawing/2014/main" id="{EDE21227-881D-6BFE-C320-A4C47056B22F}"/>
               </a:ext>
             </a:extLst>
           </p:cNvPr>
@@ -488,7 +488,7 @@
           <p:cNvPr id="6" name="灯片编号占位符 5">
             <a:extLst>
               <a:ext uri="{FF2B5EF4-FFF2-40B4-BE49-F238E27FC236}">
-                <a16:creationId xmlns:a16="http://schemas.microsoft.com/office/drawing/2014/main" id="{C9F0C517-01A4-AF0E-9219-1AD9580A8F0B}"/>
+                <a16:creationId xmlns:a16="http://schemas.microsoft.com/office/drawing/2014/main" id="{C80832DF-AE7F-6867-F8A5-F02ED1C02764}"/>
               </a:ext>
             </a:extLst>
           </p:cNvPr>
@@ -504,7 +504,7 @@
           <a:bodyPr/>
           <a:lstStyle/>
           <a:p>
-            <a:fld id="{DA0A8D4B-1D2B-4102-BBAC-B78C1A2E27FE}" type="slidenum">
+            <a:fld id="{C4265D19-875C-427B-A323-40D51A61A428}" type="slidenum">
               <a:rPr lang="zh-CN" altLang="en-US" smtClean="0"/>
               <a:t>‹#›</a:t>
             </a:fld>
@@ -515,7 +515,7 @@
     </p:spTree>
     <p:extLst>
       <p:ext uri="{BB962C8B-B14F-4D97-AF65-F5344CB8AC3E}">
-        <p14:creationId xmlns:p14="http://schemas.microsoft.com/office/powerpoint/2010/main" val="3865197880"/>
+        <p14:creationId xmlns:p14="http://schemas.microsoft.com/office/powerpoint/2010/main" val="1919953714"/>
       </p:ext>
     </p:extLst>
   </p:cSld>
@@ -547,7 +547,7 @@
           <p:cNvPr id="2" name="竖排标题 1">
             <a:extLst>
               <a:ext uri="{FF2B5EF4-FFF2-40B4-BE49-F238E27FC236}">
-                <a16:creationId xmlns:a16="http://schemas.microsoft.com/office/drawing/2014/main" id="{A9EEE3E0-D729-4A4F-645D-3C77449BBDE3}"/>
+                <a16:creationId xmlns:a16="http://schemas.microsoft.com/office/drawing/2014/main" id="{7C19A354-F2B1-8AB3-12B0-3EC85CEDC2D1}"/>
               </a:ext>
             </a:extLst>
           </p:cNvPr>
@@ -580,7 +580,7 @@
           <p:cNvPr id="3" name="竖排文字占位符 2">
             <a:extLst>
               <a:ext uri="{FF2B5EF4-FFF2-40B4-BE49-F238E27FC236}">
-                <a16:creationId xmlns:a16="http://schemas.microsoft.com/office/drawing/2014/main" id="{2A690613-5A53-C280-DA25-7C1644FA3460}"/>
+                <a16:creationId xmlns:a16="http://schemas.microsoft.com/office/drawing/2014/main" id="{DA60E723-9070-1CB0-8367-C64F5ED6C04B}"/>
               </a:ext>
             </a:extLst>
           </p:cNvPr>
@@ -642,7 +642,7 @@
           <p:cNvPr id="4" name="日期占位符 3">
             <a:extLst>
               <a:ext uri="{FF2B5EF4-FFF2-40B4-BE49-F238E27FC236}">
-                <a16:creationId xmlns:a16="http://schemas.microsoft.com/office/drawing/2014/main" id="{714A32D6-3A0B-82E3-1607-9AC5E693CA63}"/>
+                <a16:creationId xmlns:a16="http://schemas.microsoft.com/office/drawing/2014/main" id="{B244C246-D48B-3CE8-434A-9FFAFF6E54CA}"/>
               </a:ext>
             </a:extLst>
           </p:cNvPr>
@@ -658,7 +658,7 @@
           <a:bodyPr/>
           <a:lstStyle/>
           <a:p>
-            <a:fld id="{F59FFF69-5FC4-4F92-B21A-F890B478CD55}" type="datetimeFigureOut">
+            <a:fld id="{24FA5109-1D1E-4DC8-AD10-54B413620D79}" type="datetimeFigureOut">
               <a:rPr lang="zh-CN" altLang="en-US" smtClean="0"/>
               <a:t>2024/3/10</a:t>
             </a:fld>
@@ -671,7 +671,7 @@
           <p:cNvPr id="5" name="页脚占位符 4">
             <a:extLst>
               <a:ext uri="{FF2B5EF4-FFF2-40B4-BE49-F238E27FC236}">
-                <a16:creationId xmlns:a16="http://schemas.microsoft.com/office/drawing/2014/main" id="{19EF80C0-C515-04B2-89C1-9AF256996D53}"/>
+                <a16:creationId xmlns:a16="http://schemas.microsoft.com/office/drawing/2014/main" id="{024BA2B0-905F-7D38-2E17-5D2E267F115E}"/>
               </a:ext>
             </a:extLst>
           </p:cNvPr>
@@ -696,7 +696,7 @@
           <p:cNvPr id="6" name="灯片编号占位符 5">
             <a:extLst>
               <a:ext uri="{FF2B5EF4-FFF2-40B4-BE49-F238E27FC236}">
-                <a16:creationId xmlns:a16="http://schemas.microsoft.com/office/drawing/2014/main" id="{41B515B4-6C02-938A-80DE-5F1A57C1ABAA}"/>
+                <a16:creationId xmlns:a16="http://schemas.microsoft.com/office/drawing/2014/main" id="{6E896A66-698F-B92A-9665-08F981BE1103}"/>
               </a:ext>
             </a:extLst>
           </p:cNvPr>
@@ -712,7 +712,7 @@
           <a:bodyPr/>
           <a:lstStyle/>
           <a:p>
-            <a:fld id="{DA0A8D4B-1D2B-4102-BBAC-B78C1A2E27FE}" type="slidenum">
+            <a:fld id="{C4265D19-875C-427B-A323-40D51A61A428}" type="slidenum">
               <a:rPr lang="zh-CN" altLang="en-US" smtClean="0"/>
               <a:t>‹#›</a:t>
             </a:fld>
@@ -723,7 +723,7 @@
     </p:spTree>
     <p:extLst>
       <p:ext uri="{BB962C8B-B14F-4D97-AF65-F5344CB8AC3E}">
-        <p14:creationId xmlns:p14="http://schemas.microsoft.com/office/powerpoint/2010/main" val="3857119501"/>
+        <p14:creationId xmlns:p14="http://schemas.microsoft.com/office/powerpoint/2010/main" val="2830888076"/>
       </p:ext>
     </p:extLst>
   </p:cSld>
@@ -755,7 +755,7 @@
           <p:cNvPr id="2" name="标题 1">
             <a:extLst>
               <a:ext uri="{FF2B5EF4-FFF2-40B4-BE49-F238E27FC236}">
-                <a16:creationId xmlns:a16="http://schemas.microsoft.com/office/drawing/2014/main" id="{34C121B8-B1FF-D489-ADCB-39E5DFA51AAD}"/>
+                <a16:creationId xmlns:a16="http://schemas.microsoft.com/office/drawing/2014/main" id="{6180B4F8-F5A8-A7DD-A7B3-5304DAAE5E90}"/>
               </a:ext>
             </a:extLst>
           </p:cNvPr>
@@ -783,7 +783,7 @@
           <p:cNvPr id="3" name="内容占位符 2">
             <a:extLst>
               <a:ext uri="{FF2B5EF4-FFF2-40B4-BE49-F238E27FC236}">
-                <a16:creationId xmlns:a16="http://schemas.microsoft.com/office/drawing/2014/main" id="{05427804-5E63-9A9E-C971-A0A6097FA394}"/>
+                <a16:creationId xmlns:a16="http://schemas.microsoft.com/office/drawing/2014/main" id="{708AE08D-173A-8601-0187-AE9652BD45D6}"/>
               </a:ext>
             </a:extLst>
           </p:cNvPr>
@@ -840,7 +840,7 @@
           <p:cNvPr id="4" name="日期占位符 3">
             <a:extLst>
               <a:ext uri="{FF2B5EF4-FFF2-40B4-BE49-F238E27FC236}">
-                <a16:creationId xmlns:a16="http://schemas.microsoft.com/office/drawing/2014/main" id="{B3D4B7E5-6768-3B34-BFB8-F73DDAF0F469}"/>
+                <a16:creationId xmlns:a16="http://schemas.microsoft.com/office/drawing/2014/main" id="{493298AC-ADD6-756F-3897-1336A6DA93DE}"/>
               </a:ext>
             </a:extLst>
           </p:cNvPr>
@@ -856,7 +856,7 @@
           <a:bodyPr/>
           <a:lstStyle/>
           <a:p>
-            <a:fld id="{F59FFF69-5FC4-4F92-B21A-F890B478CD55}" type="datetimeFigureOut">
+            <a:fld id="{24FA5109-1D1E-4DC8-AD10-54B413620D79}" type="datetimeFigureOut">
               <a:rPr lang="zh-CN" altLang="en-US" smtClean="0"/>
               <a:t>2024/3/10</a:t>
             </a:fld>
@@ -869,7 +869,7 @@
           <p:cNvPr id="5" name="页脚占位符 4">
             <a:extLst>
               <a:ext uri="{FF2B5EF4-FFF2-40B4-BE49-F238E27FC236}">
-                <a16:creationId xmlns:a16="http://schemas.microsoft.com/office/drawing/2014/main" id="{479C99F5-BCCE-A2B3-CF9A-C70A08D9F48D}"/>
+                <a16:creationId xmlns:a16="http://schemas.microsoft.com/office/drawing/2014/main" id="{FBB0159D-DEE4-53A6-07B0-1B8F44240E54}"/>
               </a:ext>
             </a:extLst>
           </p:cNvPr>
@@ -894,7 +894,7 @@
           <p:cNvPr id="6" name="灯片编号占位符 5">
             <a:extLst>
               <a:ext uri="{FF2B5EF4-FFF2-40B4-BE49-F238E27FC236}">
-                <a16:creationId xmlns:a16="http://schemas.microsoft.com/office/drawing/2014/main" id="{98286845-06DE-2A9F-7739-06A8509808E6}"/>
+                <a16:creationId xmlns:a16="http://schemas.microsoft.com/office/drawing/2014/main" id="{C93E5FC3-F201-C92A-3793-00F6EF745F15}"/>
               </a:ext>
             </a:extLst>
           </p:cNvPr>
@@ -910,7 +910,7 @@
           <a:bodyPr/>
           <a:lstStyle/>
           <a:p>
-            <a:fld id="{DA0A8D4B-1D2B-4102-BBAC-B78C1A2E27FE}" type="slidenum">
+            <a:fld id="{C4265D19-875C-427B-A323-40D51A61A428}" type="slidenum">
               <a:rPr lang="zh-CN" altLang="en-US" smtClean="0"/>
               <a:t>‹#›</a:t>
             </a:fld>
@@ -921,7 +921,7 @@
     </p:spTree>
     <p:extLst>
       <p:ext uri="{BB962C8B-B14F-4D97-AF65-F5344CB8AC3E}">
-        <p14:creationId xmlns:p14="http://schemas.microsoft.com/office/powerpoint/2010/main" val="4163830184"/>
+        <p14:creationId xmlns:p14="http://schemas.microsoft.com/office/powerpoint/2010/main" val="739538575"/>
       </p:ext>
     </p:extLst>
   </p:cSld>
@@ -953,7 +953,7 @@
           <p:cNvPr id="2" name="标题 1">
             <a:extLst>
               <a:ext uri="{FF2B5EF4-FFF2-40B4-BE49-F238E27FC236}">
-                <a16:creationId xmlns:a16="http://schemas.microsoft.com/office/drawing/2014/main" id="{3FC7A4C3-2B70-8CA7-2A2E-E20755A2B5F0}"/>
+                <a16:creationId xmlns:a16="http://schemas.microsoft.com/office/drawing/2014/main" id="{6E059886-9AAF-9BE8-11EF-1605FE864F31}"/>
               </a:ext>
             </a:extLst>
           </p:cNvPr>
@@ -990,7 +990,7 @@
           <p:cNvPr id="3" name="文本占位符 2">
             <a:extLst>
               <a:ext uri="{FF2B5EF4-FFF2-40B4-BE49-F238E27FC236}">
-                <a16:creationId xmlns:a16="http://schemas.microsoft.com/office/drawing/2014/main" id="{99BB1673-E3AA-333D-F1E1-6DC6E06C8EB7}"/>
+                <a16:creationId xmlns:a16="http://schemas.microsoft.com/office/drawing/2014/main" id="{E4F10115-A026-DBBC-8B5F-F783C853B7FD}"/>
               </a:ext>
             </a:extLst>
           </p:cNvPr>
@@ -1115,7 +1115,7 @@
           <p:cNvPr id="4" name="日期占位符 3">
             <a:extLst>
               <a:ext uri="{FF2B5EF4-FFF2-40B4-BE49-F238E27FC236}">
-                <a16:creationId xmlns:a16="http://schemas.microsoft.com/office/drawing/2014/main" id="{D6120B22-CD67-C2CC-B179-56379B30BC37}"/>
+                <a16:creationId xmlns:a16="http://schemas.microsoft.com/office/drawing/2014/main" id="{D843DF79-CCC8-E978-7B85-CBD3FCF59104}"/>
               </a:ext>
             </a:extLst>
           </p:cNvPr>
@@ -1131,7 +1131,7 @@
           <a:bodyPr/>
           <a:lstStyle/>
           <a:p>
-            <a:fld id="{F59FFF69-5FC4-4F92-B21A-F890B478CD55}" type="datetimeFigureOut">
+            <a:fld id="{24FA5109-1D1E-4DC8-AD10-54B413620D79}" type="datetimeFigureOut">
               <a:rPr lang="zh-CN" altLang="en-US" smtClean="0"/>
               <a:t>2024/3/10</a:t>
             </a:fld>
@@ -1144,7 +1144,7 @@
           <p:cNvPr id="5" name="页脚占位符 4">
             <a:extLst>
               <a:ext uri="{FF2B5EF4-FFF2-40B4-BE49-F238E27FC236}">
-                <a16:creationId xmlns:a16="http://schemas.microsoft.com/office/drawing/2014/main" id="{48790595-2E82-08CF-5383-2F83044AA824}"/>
+                <a16:creationId xmlns:a16="http://schemas.microsoft.com/office/drawing/2014/main" id="{851DE9A7-2E1A-C819-8AB3-6DA68E6EECE9}"/>
               </a:ext>
             </a:extLst>
           </p:cNvPr>
@@ -1169,7 +1169,7 @@
           <p:cNvPr id="6" name="灯片编号占位符 5">
             <a:extLst>
               <a:ext uri="{FF2B5EF4-FFF2-40B4-BE49-F238E27FC236}">
-                <a16:creationId xmlns:a16="http://schemas.microsoft.com/office/drawing/2014/main" id="{638F301A-FEE7-80EB-0E1B-69A74FD6929C}"/>
+                <a16:creationId xmlns:a16="http://schemas.microsoft.com/office/drawing/2014/main" id="{48B72B77-6A96-332B-905C-B4B2818662B8}"/>
               </a:ext>
             </a:extLst>
           </p:cNvPr>
@@ -1185,7 +1185,7 @@
           <a:bodyPr/>
           <a:lstStyle/>
           <a:p>
-            <a:fld id="{DA0A8D4B-1D2B-4102-BBAC-B78C1A2E27FE}" type="slidenum">
+            <a:fld id="{C4265D19-875C-427B-A323-40D51A61A428}" type="slidenum">
               <a:rPr lang="zh-CN" altLang="en-US" smtClean="0"/>
               <a:t>‹#›</a:t>
             </a:fld>
@@ -1196,7 +1196,7 @@
     </p:spTree>
     <p:extLst>
       <p:ext uri="{BB962C8B-B14F-4D97-AF65-F5344CB8AC3E}">
-        <p14:creationId xmlns:p14="http://schemas.microsoft.com/office/powerpoint/2010/main" val="2931561040"/>
+        <p14:creationId xmlns:p14="http://schemas.microsoft.com/office/powerpoint/2010/main" val="2300963014"/>
       </p:ext>
     </p:extLst>
   </p:cSld>
@@ -1228,7 +1228,7 @@
           <p:cNvPr id="2" name="标题 1">
             <a:extLst>
               <a:ext uri="{FF2B5EF4-FFF2-40B4-BE49-F238E27FC236}">
-                <a16:creationId xmlns:a16="http://schemas.microsoft.com/office/drawing/2014/main" id="{DDFB1B7A-869A-A5CB-9D24-03A14D539F8B}"/>
+                <a16:creationId xmlns:a16="http://schemas.microsoft.com/office/drawing/2014/main" id="{49012CE0-360E-51C1-0221-308E1A8EE25A}"/>
               </a:ext>
             </a:extLst>
           </p:cNvPr>
@@ -1256,7 +1256,7 @@
           <p:cNvPr id="3" name="内容占位符 2">
             <a:extLst>
               <a:ext uri="{FF2B5EF4-FFF2-40B4-BE49-F238E27FC236}">
-                <a16:creationId xmlns:a16="http://schemas.microsoft.com/office/drawing/2014/main" id="{2435A962-6D5E-A608-E342-14D0877F2BF2}"/>
+                <a16:creationId xmlns:a16="http://schemas.microsoft.com/office/drawing/2014/main" id="{E0FB0706-511E-9C78-4D55-80B9938687DB}"/>
               </a:ext>
             </a:extLst>
           </p:cNvPr>
@@ -1318,7 +1318,7 @@
           <p:cNvPr id="4" name="内容占位符 3">
             <a:extLst>
               <a:ext uri="{FF2B5EF4-FFF2-40B4-BE49-F238E27FC236}">
-                <a16:creationId xmlns:a16="http://schemas.microsoft.com/office/drawing/2014/main" id="{E46534A8-8A2D-7BB1-0F62-D8727F2AD903}"/>
+                <a16:creationId xmlns:a16="http://schemas.microsoft.com/office/drawing/2014/main" id="{27FC7B79-C697-7E6D-175D-E04695BF02B6}"/>
               </a:ext>
             </a:extLst>
           </p:cNvPr>
@@ -1380,7 +1380,7 @@
           <p:cNvPr id="5" name="日期占位符 4">
             <a:extLst>
               <a:ext uri="{FF2B5EF4-FFF2-40B4-BE49-F238E27FC236}">
-                <a16:creationId xmlns:a16="http://schemas.microsoft.com/office/drawing/2014/main" id="{FB0EC142-0EAB-B534-08CF-DA347B0E235F}"/>
+                <a16:creationId xmlns:a16="http://schemas.microsoft.com/office/drawing/2014/main" id="{01AEBEED-E7E2-3114-0DB1-756FAE3B2EBD}"/>
               </a:ext>
             </a:extLst>
           </p:cNvPr>
@@ -1396,7 +1396,7 @@
           <a:bodyPr/>
           <a:lstStyle/>
           <a:p>
-            <a:fld id="{F59FFF69-5FC4-4F92-B21A-F890B478CD55}" type="datetimeFigureOut">
+            <a:fld id="{24FA5109-1D1E-4DC8-AD10-54B413620D79}" type="datetimeFigureOut">
               <a:rPr lang="zh-CN" altLang="en-US" smtClean="0"/>
               <a:t>2024/3/10</a:t>
             </a:fld>
@@ -1409,7 +1409,7 @@
           <p:cNvPr id="6" name="页脚占位符 5">
             <a:extLst>
               <a:ext uri="{FF2B5EF4-FFF2-40B4-BE49-F238E27FC236}">
-                <a16:creationId xmlns:a16="http://schemas.microsoft.com/office/drawing/2014/main" id="{5AF2E666-F30D-2D1C-C20F-FF9FB64FD7F3}"/>
+                <a16:creationId xmlns:a16="http://schemas.microsoft.com/office/drawing/2014/main" id="{3821CA2E-664B-EEFB-0A65-248BBEFF1B57}"/>
               </a:ext>
             </a:extLst>
           </p:cNvPr>
@@ -1434,7 +1434,7 @@
           <p:cNvPr id="7" name="灯片编号占位符 6">
             <a:extLst>
               <a:ext uri="{FF2B5EF4-FFF2-40B4-BE49-F238E27FC236}">
-                <a16:creationId xmlns:a16="http://schemas.microsoft.com/office/drawing/2014/main" id="{4D475B98-D0BF-0908-BA81-1070E64E74C0}"/>
+                <a16:creationId xmlns:a16="http://schemas.microsoft.com/office/drawing/2014/main" id="{5803B91C-4EEA-3803-99CE-B796618DA125}"/>
               </a:ext>
             </a:extLst>
           </p:cNvPr>
@@ -1450,7 +1450,7 @@
           <a:bodyPr/>
           <a:lstStyle/>
           <a:p>
-            <a:fld id="{DA0A8D4B-1D2B-4102-BBAC-B78C1A2E27FE}" type="slidenum">
+            <a:fld id="{C4265D19-875C-427B-A323-40D51A61A428}" type="slidenum">
               <a:rPr lang="zh-CN" altLang="en-US" smtClean="0"/>
               <a:t>‹#›</a:t>
             </a:fld>
@@ -1461,7 +1461,7 @@
     </p:spTree>
     <p:extLst>
       <p:ext uri="{BB962C8B-B14F-4D97-AF65-F5344CB8AC3E}">
-        <p14:creationId xmlns:p14="http://schemas.microsoft.com/office/powerpoint/2010/main" val="1637793657"/>
+        <p14:creationId xmlns:p14="http://schemas.microsoft.com/office/powerpoint/2010/main" val="1149651991"/>
       </p:ext>
     </p:extLst>
   </p:cSld>
@@ -1493,7 +1493,7 @@
           <p:cNvPr id="2" name="标题 1">
             <a:extLst>
               <a:ext uri="{FF2B5EF4-FFF2-40B4-BE49-F238E27FC236}">
-                <a16:creationId xmlns:a16="http://schemas.microsoft.com/office/drawing/2014/main" id="{8E0A340E-853A-1C32-1B23-D166F7333468}"/>
+                <a16:creationId xmlns:a16="http://schemas.microsoft.com/office/drawing/2014/main" id="{EB5215A9-C87D-138B-0CA0-3BD15126E915}"/>
               </a:ext>
             </a:extLst>
           </p:cNvPr>
@@ -1526,7 +1526,7 @@
           <p:cNvPr id="3" name="文本占位符 2">
             <a:extLst>
               <a:ext uri="{FF2B5EF4-FFF2-40B4-BE49-F238E27FC236}">
-                <a16:creationId xmlns:a16="http://schemas.microsoft.com/office/drawing/2014/main" id="{3ADDD235-BCF3-4AC0-8711-B873B4DF3CCA}"/>
+                <a16:creationId xmlns:a16="http://schemas.microsoft.com/office/drawing/2014/main" id="{35278DC1-45FB-4BAF-2380-966418E2730A}"/>
               </a:ext>
             </a:extLst>
           </p:cNvPr>
@@ -1597,7 +1597,7 @@
           <p:cNvPr id="4" name="内容占位符 3">
             <a:extLst>
               <a:ext uri="{FF2B5EF4-FFF2-40B4-BE49-F238E27FC236}">
-                <a16:creationId xmlns:a16="http://schemas.microsoft.com/office/drawing/2014/main" id="{9CD3BCD3-33D5-5C15-EB01-000BA534DBB7}"/>
+                <a16:creationId xmlns:a16="http://schemas.microsoft.com/office/drawing/2014/main" id="{23DF7E72-F386-4B80-9E3B-CBC0450C77C3}"/>
               </a:ext>
             </a:extLst>
           </p:cNvPr>
@@ -1659,7 +1659,7 @@
           <p:cNvPr id="5" name="文本占位符 4">
             <a:extLst>
               <a:ext uri="{FF2B5EF4-FFF2-40B4-BE49-F238E27FC236}">
-                <a16:creationId xmlns:a16="http://schemas.microsoft.com/office/drawing/2014/main" id="{7AAA3776-C6CB-16E6-3F13-07B7A66EBFD3}"/>
+                <a16:creationId xmlns:a16="http://schemas.microsoft.com/office/drawing/2014/main" id="{0800B7CF-B250-63CE-E9FD-CF76F500C6B0}"/>
               </a:ext>
             </a:extLst>
           </p:cNvPr>
@@ -1730,7 +1730,7 @@
           <p:cNvPr id="6" name="内容占位符 5">
             <a:extLst>
               <a:ext uri="{FF2B5EF4-FFF2-40B4-BE49-F238E27FC236}">
-                <a16:creationId xmlns:a16="http://schemas.microsoft.com/office/drawing/2014/main" id="{C4E359A8-CAF4-6D3C-1CE8-AF8D11BADADF}"/>
+                <a16:creationId xmlns:a16="http://schemas.microsoft.com/office/drawing/2014/main" id="{2968F3A2-7075-EAD9-2ADD-92C7A5FFA425}"/>
               </a:ext>
             </a:extLst>
           </p:cNvPr>
@@ -1792,7 +1792,7 @@
           <p:cNvPr id="7" name="日期占位符 6">
             <a:extLst>
               <a:ext uri="{FF2B5EF4-FFF2-40B4-BE49-F238E27FC236}">
-                <a16:creationId xmlns:a16="http://schemas.microsoft.com/office/drawing/2014/main" id="{43B3632C-3DF8-7E95-1EBE-B404A3168166}"/>
+                <a16:creationId xmlns:a16="http://schemas.microsoft.com/office/drawing/2014/main" id="{BAD93E1F-F130-B489-77B3-2BF3A97314E4}"/>
               </a:ext>
             </a:extLst>
           </p:cNvPr>
@@ -1808,7 +1808,7 @@
           <a:bodyPr/>
           <a:lstStyle/>
           <a:p>
-            <a:fld id="{F59FFF69-5FC4-4F92-B21A-F890B478CD55}" type="datetimeFigureOut">
+            <a:fld id="{24FA5109-1D1E-4DC8-AD10-54B413620D79}" type="datetimeFigureOut">
               <a:rPr lang="zh-CN" altLang="en-US" smtClean="0"/>
               <a:t>2024/3/10</a:t>
             </a:fld>
@@ -1821,7 +1821,7 @@
           <p:cNvPr id="8" name="页脚占位符 7">
             <a:extLst>
               <a:ext uri="{FF2B5EF4-FFF2-40B4-BE49-F238E27FC236}">
-                <a16:creationId xmlns:a16="http://schemas.microsoft.com/office/drawing/2014/main" id="{A8E55B28-5C26-6B09-A416-2BE0480642A4}"/>
+                <a16:creationId xmlns:a16="http://schemas.microsoft.com/office/drawing/2014/main" id="{6BB94490-CE12-99C7-CA7A-4C811D6B0B41}"/>
               </a:ext>
             </a:extLst>
           </p:cNvPr>
@@ -1846,7 +1846,7 @@
           <p:cNvPr id="9" name="灯片编号占位符 8">
             <a:extLst>
               <a:ext uri="{FF2B5EF4-FFF2-40B4-BE49-F238E27FC236}">
-                <a16:creationId xmlns:a16="http://schemas.microsoft.com/office/drawing/2014/main" id="{305755EB-4FEE-31F4-4F6B-E9322836FE21}"/>
+                <a16:creationId xmlns:a16="http://schemas.microsoft.com/office/drawing/2014/main" id="{FD86A81D-090D-85F4-757B-B019D2D09890}"/>
               </a:ext>
             </a:extLst>
           </p:cNvPr>
@@ -1862,7 +1862,7 @@
           <a:bodyPr/>
           <a:lstStyle/>
           <a:p>
-            <a:fld id="{DA0A8D4B-1D2B-4102-BBAC-B78C1A2E27FE}" type="slidenum">
+            <a:fld id="{C4265D19-875C-427B-A323-40D51A61A428}" type="slidenum">
               <a:rPr lang="zh-CN" altLang="en-US" smtClean="0"/>
               <a:t>‹#›</a:t>
             </a:fld>
@@ -1873,7 +1873,7 @@
     </p:spTree>
     <p:extLst>
       <p:ext uri="{BB962C8B-B14F-4D97-AF65-F5344CB8AC3E}">
-        <p14:creationId xmlns:p14="http://schemas.microsoft.com/office/powerpoint/2010/main" val="3335792949"/>
+        <p14:creationId xmlns:p14="http://schemas.microsoft.com/office/powerpoint/2010/main" val="3084382335"/>
       </p:ext>
     </p:extLst>
   </p:cSld>
@@ -1905,7 +1905,7 @@
           <p:cNvPr id="2" name="标题 1">
             <a:extLst>
               <a:ext uri="{FF2B5EF4-FFF2-40B4-BE49-F238E27FC236}">
-                <a16:creationId xmlns:a16="http://schemas.microsoft.com/office/drawing/2014/main" id="{1AA753A3-FF02-8A08-97C3-8897347423A4}"/>
+                <a16:creationId xmlns:a16="http://schemas.microsoft.com/office/drawing/2014/main" id="{DEBF3906-8544-5E04-E069-34D63798BFDC}"/>
               </a:ext>
             </a:extLst>
           </p:cNvPr>
@@ -1933,7 +1933,7 @@
           <p:cNvPr id="3" name="日期占位符 2">
             <a:extLst>
               <a:ext uri="{FF2B5EF4-FFF2-40B4-BE49-F238E27FC236}">
-                <a16:creationId xmlns:a16="http://schemas.microsoft.com/office/drawing/2014/main" id="{03ACC546-4FBC-A8E6-CAC9-2B7EA4643DFF}"/>
+                <a16:creationId xmlns:a16="http://schemas.microsoft.com/office/drawing/2014/main" id="{A79F89DB-BFE1-EF43-C20C-C1C68EAC3A81}"/>
               </a:ext>
             </a:extLst>
           </p:cNvPr>
@@ -1949,7 +1949,7 @@
           <a:bodyPr/>
           <a:lstStyle/>
           <a:p>
-            <a:fld id="{F59FFF69-5FC4-4F92-B21A-F890B478CD55}" type="datetimeFigureOut">
+            <a:fld id="{24FA5109-1D1E-4DC8-AD10-54B413620D79}" type="datetimeFigureOut">
               <a:rPr lang="zh-CN" altLang="en-US" smtClean="0"/>
               <a:t>2024/3/10</a:t>
             </a:fld>
@@ -1962,7 +1962,7 @@
           <p:cNvPr id="4" name="页脚占位符 3">
             <a:extLst>
               <a:ext uri="{FF2B5EF4-FFF2-40B4-BE49-F238E27FC236}">
-                <a16:creationId xmlns:a16="http://schemas.microsoft.com/office/drawing/2014/main" id="{5CEF19CA-0A22-C7D1-9E2A-BC9D58351662}"/>
+                <a16:creationId xmlns:a16="http://schemas.microsoft.com/office/drawing/2014/main" id="{8AA737DB-49B7-5454-248D-904AF4292F0B}"/>
               </a:ext>
             </a:extLst>
           </p:cNvPr>
@@ -1987,7 +1987,7 @@
           <p:cNvPr id="5" name="灯片编号占位符 4">
             <a:extLst>
               <a:ext uri="{FF2B5EF4-FFF2-40B4-BE49-F238E27FC236}">
-                <a16:creationId xmlns:a16="http://schemas.microsoft.com/office/drawing/2014/main" id="{20C0B4A0-4178-E4C9-3031-5F454FD506ED}"/>
+                <a16:creationId xmlns:a16="http://schemas.microsoft.com/office/drawing/2014/main" id="{9790FCAD-3F3A-51F5-2E6E-9F050843BC35}"/>
               </a:ext>
             </a:extLst>
           </p:cNvPr>
@@ -2003,7 +2003,7 @@
           <a:bodyPr/>
           <a:lstStyle/>
           <a:p>
-            <a:fld id="{DA0A8D4B-1D2B-4102-BBAC-B78C1A2E27FE}" type="slidenum">
+            <a:fld id="{C4265D19-875C-427B-A323-40D51A61A428}" type="slidenum">
               <a:rPr lang="zh-CN" altLang="en-US" smtClean="0"/>
               <a:t>‹#›</a:t>
             </a:fld>
@@ -2014,7 +2014,7 @@
     </p:spTree>
     <p:extLst>
       <p:ext uri="{BB962C8B-B14F-4D97-AF65-F5344CB8AC3E}">
-        <p14:creationId xmlns:p14="http://schemas.microsoft.com/office/powerpoint/2010/main" val="2688735684"/>
+        <p14:creationId xmlns:p14="http://schemas.microsoft.com/office/powerpoint/2010/main" val="2831830260"/>
       </p:ext>
     </p:extLst>
   </p:cSld>
@@ -2046,7 +2046,7 @@
           <p:cNvPr id="2" name="日期占位符 1">
             <a:extLst>
               <a:ext uri="{FF2B5EF4-FFF2-40B4-BE49-F238E27FC236}">
-                <a16:creationId xmlns:a16="http://schemas.microsoft.com/office/drawing/2014/main" id="{06624400-A1D5-DDAE-CEB3-517041D5C516}"/>
+                <a16:creationId xmlns:a16="http://schemas.microsoft.com/office/drawing/2014/main" id="{95F4DAB2-62F0-90CE-2DFD-A8A286601812}"/>
               </a:ext>
             </a:extLst>
           </p:cNvPr>
@@ -2062,7 +2062,7 @@
           <a:bodyPr/>
           <a:lstStyle/>
           <a:p>
-            <a:fld id="{F59FFF69-5FC4-4F92-B21A-F890B478CD55}" type="datetimeFigureOut">
+            <a:fld id="{24FA5109-1D1E-4DC8-AD10-54B413620D79}" type="datetimeFigureOut">
               <a:rPr lang="zh-CN" altLang="en-US" smtClean="0"/>
               <a:t>2024/3/10</a:t>
             </a:fld>
@@ -2075,7 +2075,7 @@
           <p:cNvPr id="3" name="页脚占位符 2">
             <a:extLst>
               <a:ext uri="{FF2B5EF4-FFF2-40B4-BE49-F238E27FC236}">
-                <a16:creationId xmlns:a16="http://schemas.microsoft.com/office/drawing/2014/main" id="{70CD1EB1-E5BD-F8C7-F9E0-FBA65AFD05DB}"/>
+                <a16:creationId xmlns:a16="http://schemas.microsoft.com/office/drawing/2014/main" id="{548BA0AE-4789-20A0-8FD7-926739C4297D}"/>
               </a:ext>
             </a:extLst>
           </p:cNvPr>
@@ -2100,7 +2100,7 @@
           <p:cNvPr id="4" name="灯片编号占位符 3">
             <a:extLst>
               <a:ext uri="{FF2B5EF4-FFF2-40B4-BE49-F238E27FC236}">
-                <a16:creationId xmlns:a16="http://schemas.microsoft.com/office/drawing/2014/main" id="{1E7EC688-3AAB-1982-677B-7903202F7A83}"/>
+                <a16:creationId xmlns:a16="http://schemas.microsoft.com/office/drawing/2014/main" id="{2005AC6D-5FA8-FBAB-53E9-8AC24C04AE5E}"/>
               </a:ext>
             </a:extLst>
           </p:cNvPr>
@@ -2116,7 +2116,7 @@
           <a:bodyPr/>
           <a:lstStyle/>
           <a:p>
-            <a:fld id="{DA0A8D4B-1D2B-4102-BBAC-B78C1A2E27FE}" type="slidenum">
+            <a:fld id="{C4265D19-875C-427B-A323-40D51A61A428}" type="slidenum">
               <a:rPr lang="zh-CN" altLang="en-US" smtClean="0"/>
               <a:t>‹#›</a:t>
             </a:fld>
@@ -2127,7 +2127,7 @@
     </p:spTree>
     <p:extLst>
       <p:ext uri="{BB962C8B-B14F-4D97-AF65-F5344CB8AC3E}">
-        <p14:creationId xmlns:p14="http://schemas.microsoft.com/office/powerpoint/2010/main" val="1470136063"/>
+        <p14:creationId xmlns:p14="http://schemas.microsoft.com/office/powerpoint/2010/main" val="209373078"/>
       </p:ext>
     </p:extLst>
   </p:cSld>
@@ -2159,7 +2159,7 @@
           <p:cNvPr id="2" name="标题 1">
             <a:extLst>
               <a:ext uri="{FF2B5EF4-FFF2-40B4-BE49-F238E27FC236}">
-                <a16:creationId xmlns:a16="http://schemas.microsoft.com/office/drawing/2014/main" id="{1F8EA7B4-E6FB-1A59-BCCC-C87B3E5C43C8}"/>
+                <a16:creationId xmlns:a16="http://schemas.microsoft.com/office/drawing/2014/main" id="{D540DF22-E219-C9FF-DE81-63C7A61E37D8}"/>
               </a:ext>
             </a:extLst>
           </p:cNvPr>
@@ -2196,7 +2196,7 @@
           <p:cNvPr id="3" name="内容占位符 2">
             <a:extLst>
               <a:ext uri="{FF2B5EF4-FFF2-40B4-BE49-F238E27FC236}">
-                <a16:creationId xmlns:a16="http://schemas.microsoft.com/office/drawing/2014/main" id="{8752F2A4-79B4-F901-B676-5506251EBC07}"/>
+                <a16:creationId xmlns:a16="http://schemas.microsoft.com/office/drawing/2014/main" id="{60E53A07-24C4-3AD9-8CC3-460AE6E075A8}"/>
               </a:ext>
             </a:extLst>
           </p:cNvPr>
@@ -2286,7 +2286,7 @@
           <p:cNvPr id="4" name="文本占位符 3">
             <a:extLst>
               <a:ext uri="{FF2B5EF4-FFF2-40B4-BE49-F238E27FC236}">
-                <a16:creationId xmlns:a16="http://schemas.microsoft.com/office/drawing/2014/main" id="{752CFC09-C6B3-DD8E-5C37-6E173131906D}"/>
+                <a16:creationId xmlns:a16="http://schemas.microsoft.com/office/drawing/2014/main" id="{CDD7E3E5-6D50-4DA1-0C2C-F40C0AB72509}"/>
               </a:ext>
             </a:extLst>
           </p:cNvPr>
@@ -2357,7 +2357,7 @@
           <p:cNvPr id="5" name="日期占位符 4">
             <a:extLst>
               <a:ext uri="{FF2B5EF4-FFF2-40B4-BE49-F238E27FC236}">
-                <a16:creationId xmlns:a16="http://schemas.microsoft.com/office/drawing/2014/main" id="{EC3C1B93-D69D-C172-FBDD-6A5A952EF5B0}"/>
+                <a16:creationId xmlns:a16="http://schemas.microsoft.com/office/drawing/2014/main" id="{71B7AB88-D9DD-805A-DD0D-C9C3CCF6DBFB}"/>
               </a:ext>
             </a:extLst>
           </p:cNvPr>
@@ -2373,7 +2373,7 @@
           <a:bodyPr/>
           <a:lstStyle/>
           <a:p>
-            <a:fld id="{F59FFF69-5FC4-4F92-B21A-F890B478CD55}" type="datetimeFigureOut">
+            <a:fld id="{24FA5109-1D1E-4DC8-AD10-54B413620D79}" type="datetimeFigureOut">
               <a:rPr lang="zh-CN" altLang="en-US" smtClean="0"/>
               <a:t>2024/3/10</a:t>
             </a:fld>
@@ -2386,7 +2386,7 @@
           <p:cNvPr id="6" name="页脚占位符 5">
             <a:extLst>
               <a:ext uri="{FF2B5EF4-FFF2-40B4-BE49-F238E27FC236}">
-                <a16:creationId xmlns:a16="http://schemas.microsoft.com/office/drawing/2014/main" id="{0D4854FB-FDAC-EEA0-2939-27844033DAEF}"/>
+                <a16:creationId xmlns:a16="http://schemas.microsoft.com/office/drawing/2014/main" id="{D320D5BF-4E1B-73C9-3FB9-8ED95E4DBBE0}"/>
               </a:ext>
             </a:extLst>
           </p:cNvPr>
@@ -2411,7 +2411,7 @@
           <p:cNvPr id="7" name="灯片编号占位符 6">
             <a:extLst>
               <a:ext uri="{FF2B5EF4-FFF2-40B4-BE49-F238E27FC236}">
-                <a16:creationId xmlns:a16="http://schemas.microsoft.com/office/drawing/2014/main" id="{36799F28-D443-10B3-D8F4-0A7D4CA81C27}"/>
+                <a16:creationId xmlns:a16="http://schemas.microsoft.com/office/drawing/2014/main" id="{0D09A06A-E733-0E3C-D176-81F7206EAC31}"/>
               </a:ext>
             </a:extLst>
           </p:cNvPr>
@@ -2427,7 +2427,7 @@
           <a:bodyPr/>
           <a:lstStyle/>
           <a:p>
-            <a:fld id="{DA0A8D4B-1D2B-4102-BBAC-B78C1A2E27FE}" type="slidenum">
+            <a:fld id="{C4265D19-875C-427B-A323-40D51A61A428}" type="slidenum">
               <a:rPr lang="zh-CN" altLang="en-US" smtClean="0"/>
               <a:t>‹#›</a:t>
             </a:fld>
@@ -2438,7 +2438,7 @@
     </p:spTree>
     <p:extLst>
       <p:ext uri="{BB962C8B-B14F-4D97-AF65-F5344CB8AC3E}">
-        <p14:creationId xmlns:p14="http://schemas.microsoft.com/office/powerpoint/2010/main" val="798307567"/>
+        <p14:creationId xmlns:p14="http://schemas.microsoft.com/office/powerpoint/2010/main" val="4109735283"/>
       </p:ext>
     </p:extLst>
   </p:cSld>
@@ -2470,7 +2470,7 @@
           <p:cNvPr id="2" name="标题 1">
             <a:extLst>
               <a:ext uri="{FF2B5EF4-FFF2-40B4-BE49-F238E27FC236}">
-                <a16:creationId xmlns:a16="http://schemas.microsoft.com/office/drawing/2014/main" id="{61C014A1-42A7-A1F9-409D-6C1FAB825414}"/>
+                <a16:creationId xmlns:a16="http://schemas.microsoft.com/office/drawing/2014/main" id="{446BBE69-3567-1DFB-1421-E1A10DA4014C}"/>
               </a:ext>
             </a:extLst>
           </p:cNvPr>
@@ -2507,7 +2507,7 @@
           <p:cNvPr id="3" name="图片占位符 2">
             <a:extLst>
               <a:ext uri="{FF2B5EF4-FFF2-40B4-BE49-F238E27FC236}">
-                <a16:creationId xmlns:a16="http://schemas.microsoft.com/office/drawing/2014/main" id="{B4297BAC-0BA7-8601-DF3B-E3C45AC94676}"/>
+                <a16:creationId xmlns:a16="http://schemas.microsoft.com/office/drawing/2014/main" id="{8CB738A5-FB2F-1E93-BF09-571F5191A7AD}"/>
               </a:ext>
             </a:extLst>
           </p:cNvPr>
@@ -2574,7 +2574,7 @@
           <p:cNvPr id="4" name="文本占位符 3">
             <a:extLst>
               <a:ext uri="{FF2B5EF4-FFF2-40B4-BE49-F238E27FC236}">
-                <a16:creationId xmlns:a16="http://schemas.microsoft.com/office/drawing/2014/main" id="{386B4206-2CAB-5582-05FA-88E266E82D0D}"/>
+                <a16:creationId xmlns:a16="http://schemas.microsoft.com/office/drawing/2014/main" id="{2AB4514C-7804-0953-5511-61659157DE65}"/>
               </a:ext>
             </a:extLst>
           </p:cNvPr>
@@ -2645,7 +2645,7 @@
           <p:cNvPr id="5" name="日期占位符 4">
             <a:extLst>
               <a:ext uri="{FF2B5EF4-FFF2-40B4-BE49-F238E27FC236}">
-                <a16:creationId xmlns:a16="http://schemas.microsoft.com/office/drawing/2014/main" id="{BD507CE7-2C54-4365-731C-A5A28364927E}"/>
+                <a16:creationId xmlns:a16="http://schemas.microsoft.com/office/drawing/2014/main" id="{247781CB-A19A-E59E-3727-B6DEF4BC9D9F}"/>
               </a:ext>
             </a:extLst>
           </p:cNvPr>
@@ -2661,7 +2661,7 @@
           <a:bodyPr/>
           <a:lstStyle/>
           <a:p>
-            <a:fld id="{F59FFF69-5FC4-4F92-B21A-F890B478CD55}" type="datetimeFigureOut">
+            <a:fld id="{24FA5109-1D1E-4DC8-AD10-54B413620D79}" type="datetimeFigureOut">
               <a:rPr lang="zh-CN" altLang="en-US" smtClean="0"/>
               <a:t>2024/3/10</a:t>
             </a:fld>
@@ -2674,7 +2674,7 @@
           <p:cNvPr id="6" name="页脚占位符 5">
             <a:extLst>
               <a:ext uri="{FF2B5EF4-FFF2-40B4-BE49-F238E27FC236}">
-                <a16:creationId xmlns:a16="http://schemas.microsoft.com/office/drawing/2014/main" id="{50546666-F9CB-BF52-1806-2A96D019FE3D}"/>
+                <a16:creationId xmlns:a16="http://schemas.microsoft.com/office/drawing/2014/main" id="{D045AD67-A086-B52E-CBC3-8CFFBD7AC7DA}"/>
               </a:ext>
             </a:extLst>
           </p:cNvPr>
@@ -2699,7 +2699,7 @@
           <p:cNvPr id="7" name="灯片编号占位符 6">
             <a:extLst>
               <a:ext uri="{FF2B5EF4-FFF2-40B4-BE49-F238E27FC236}">
-                <a16:creationId xmlns:a16="http://schemas.microsoft.com/office/drawing/2014/main" id="{89CC2D2E-75F2-09CD-7EA7-1D28088CB5ED}"/>
+                <a16:creationId xmlns:a16="http://schemas.microsoft.com/office/drawing/2014/main" id="{2F3549C6-7394-2BEC-D7D6-0110127B4F38}"/>
               </a:ext>
             </a:extLst>
           </p:cNvPr>
@@ -2715,7 +2715,7 @@
           <a:bodyPr/>
           <a:lstStyle/>
           <a:p>
-            <a:fld id="{DA0A8D4B-1D2B-4102-BBAC-B78C1A2E27FE}" type="slidenum">
+            <a:fld id="{C4265D19-875C-427B-A323-40D51A61A428}" type="slidenum">
               <a:rPr lang="zh-CN" altLang="en-US" smtClean="0"/>
               <a:t>‹#›</a:t>
             </a:fld>
@@ -2726,7 +2726,7 @@
     </p:spTree>
     <p:extLst>
       <p:ext uri="{BB962C8B-B14F-4D97-AF65-F5344CB8AC3E}">
-        <p14:creationId xmlns:p14="http://schemas.microsoft.com/office/powerpoint/2010/main" val="1252637844"/>
+        <p14:creationId xmlns:p14="http://schemas.microsoft.com/office/powerpoint/2010/main" val="688544406"/>
       </p:ext>
     </p:extLst>
   </p:cSld>
@@ -2763,7 +2763,7 @@
           <p:cNvPr id="2" name="标题占位符 1">
             <a:extLst>
               <a:ext uri="{FF2B5EF4-FFF2-40B4-BE49-F238E27FC236}">
-                <a16:creationId xmlns:a16="http://schemas.microsoft.com/office/drawing/2014/main" id="{3C0C25D1-59F9-938F-4F0A-54063FB38B07}"/>
+                <a16:creationId xmlns:a16="http://schemas.microsoft.com/office/drawing/2014/main" id="{8F83D501-3BFD-CE66-8F72-7B5D56E0FB29}"/>
               </a:ext>
             </a:extLst>
           </p:cNvPr>
@@ -2801,7 +2801,7 @@
           <p:cNvPr id="3" name="文本占位符 2">
             <a:extLst>
               <a:ext uri="{FF2B5EF4-FFF2-40B4-BE49-F238E27FC236}">
-                <a16:creationId xmlns:a16="http://schemas.microsoft.com/office/drawing/2014/main" id="{CC7C976B-048D-8239-5885-0B33A4355FBB}"/>
+                <a16:creationId xmlns:a16="http://schemas.microsoft.com/office/drawing/2014/main" id="{F2271E3C-67F1-FC05-6AE8-62FBD5FB7BCF}"/>
               </a:ext>
             </a:extLst>
           </p:cNvPr>
@@ -2868,7 +2868,7 @@
           <p:cNvPr id="4" name="日期占位符 3">
             <a:extLst>
               <a:ext uri="{FF2B5EF4-FFF2-40B4-BE49-F238E27FC236}">
-                <a16:creationId xmlns:a16="http://schemas.microsoft.com/office/drawing/2014/main" id="{3B7FEC3C-86FA-E47B-AB54-F87752AD2D32}"/>
+                <a16:creationId xmlns:a16="http://schemas.microsoft.com/office/drawing/2014/main" id="{EEBD3F6C-19F9-2F2F-F976-F98FA95FB773}"/>
               </a:ext>
             </a:extLst>
           </p:cNvPr>
@@ -2902,7 +2902,7 @@
             </a:lvl1pPr>
           </a:lstStyle>
           <a:p>
-            <a:fld id="{F59FFF69-5FC4-4F92-B21A-F890B478CD55}" type="datetimeFigureOut">
+            <a:fld id="{24FA5109-1D1E-4DC8-AD10-54B413620D79}" type="datetimeFigureOut">
               <a:rPr lang="zh-CN" altLang="en-US" smtClean="0"/>
               <a:t>2024/3/10</a:t>
             </a:fld>
@@ -2915,7 +2915,7 @@
           <p:cNvPr id="5" name="页脚占位符 4">
             <a:extLst>
               <a:ext uri="{FF2B5EF4-FFF2-40B4-BE49-F238E27FC236}">
-                <a16:creationId xmlns:a16="http://schemas.microsoft.com/office/drawing/2014/main" id="{FE5BD480-A599-8EC5-E862-F76AD3C0C6FB}"/>
+                <a16:creationId xmlns:a16="http://schemas.microsoft.com/office/drawing/2014/main" id="{E77BCD3E-6497-235E-5695-D69E48B2D773}"/>
               </a:ext>
             </a:extLst>
           </p:cNvPr>
@@ -2958,7 +2958,7 @@
           <p:cNvPr id="6" name="灯片编号占位符 5">
             <a:extLst>
               <a:ext uri="{FF2B5EF4-FFF2-40B4-BE49-F238E27FC236}">
-                <a16:creationId xmlns:a16="http://schemas.microsoft.com/office/drawing/2014/main" id="{84EBFA25-C2B4-3BEF-ED2C-DA829664708D}"/>
+                <a16:creationId xmlns:a16="http://schemas.microsoft.com/office/drawing/2014/main" id="{FD78C784-0782-190C-C100-8AB57E2C19AE}"/>
               </a:ext>
             </a:extLst>
           </p:cNvPr>
@@ -2992,7 +2992,7 @@
             </a:lvl1pPr>
           </a:lstStyle>
           <a:p>
-            <a:fld id="{DA0A8D4B-1D2B-4102-BBAC-B78C1A2E27FE}" type="slidenum">
+            <a:fld id="{C4265D19-875C-427B-A323-40D51A61A428}" type="slidenum">
               <a:rPr lang="zh-CN" altLang="en-US" smtClean="0"/>
               <a:t>‹#›</a:t>
             </a:fld>
@@ -3003,7 +3003,7 @@
     </p:spTree>
     <p:extLst>
       <p:ext uri="{BB962C8B-B14F-4D97-AF65-F5344CB8AC3E}">
-        <p14:creationId xmlns:p14="http://schemas.microsoft.com/office/powerpoint/2010/main" val="820899227"/>
+        <p14:creationId xmlns:p14="http://schemas.microsoft.com/office/powerpoint/2010/main" val="3882080860"/>
       </p:ext>
     </p:extLst>
   </p:cSld>
@@ -3323,7 +3323,7 @@
       </p:grpSpPr>
       <p:pic>
         <p:nvPicPr>
-          <p:cNvPr id="638978" name="Picture 2" descr="623"/>
+          <p:cNvPr id="640002" name="Picture 2" descr="624"/>
           <p:cNvPicPr>
             <a:picLocks noChangeAspect="1" noChangeArrowheads="1"/>
           </p:cNvPicPr>
@@ -3344,8 +3344,8 @@
         </p:blipFill>
         <p:spPr bwMode="auto">
           <a:xfrm>
-            <a:off x="1524000" y="1"/>
-            <a:ext cx="9144000" cy="4868863"/>
+            <a:off x="1524000" y="0"/>
+            <a:ext cx="9144000" cy="6858000"/>
           </a:xfrm>
           <a:prstGeom prst="rect">
             <a:avLst/>
